--- a/Checkpoints Outline/Checkpoint 3/Checkpoint 3 - G16.pptx
+++ b/Checkpoints Outline/Checkpoint 3/Checkpoint 3 - G16.pptx
@@ -238,7 +238,7 @@
           <a:p>
             <a:fld id="{745C36E7-9E00-462E-80A3-32F2BE615C7A}" type="datetimeFigureOut">
               <a:rPr lang="en-US" smtClean="0"/>
-              <a:t>10/31/2020</a:t>
+              <a:t>11/3/2020</a:t>
             </a:fld>
             <a:endParaRPr lang="en-US"/>
           </a:p>
@@ -304,7 +304,7 @@
           <a:p>
             <a:fld id="{C7B702CB-D988-47C5-8204-95032A6A7C26}" type="slidenum">
               <a:rPr lang="en-US" smtClean="0"/>
-              <a:t>‹nº›</a:t>
+              <a:t>‹#›</a:t>
             </a:fld>
             <a:endParaRPr lang="en-US"/>
           </a:p>
@@ -404,7 +404,7 @@
             <a:fld id="{01F3E309-ED8D-4193-99AF-E5EA90965E98}" type="datetimeFigureOut">
               <a:rPr lang="en-US" smtClean="0"/>
               <a:pPr/>
-              <a:t>10/31/2020</a:t>
+              <a:t>11/3/2020</a:t>
             </a:fld>
             <a:endParaRPr lang="en-US"/>
           </a:p>
@@ -565,7 +565,7 @@
             <a:fld id="{F535F173-C1DD-4975-94BF-5B9ED67F7674}" type="slidenum">
               <a:rPr lang="en-US" smtClean="0"/>
               <a:pPr/>
-              <a:t>‹nº›</a:t>
+              <a:t>‹#›</a:t>
             </a:fld>
             <a:endParaRPr lang="en-US"/>
           </a:p>
@@ -9335,7 +9335,7 @@
             <a:fld id="{F3CC9924-33BC-4796-B0F9-D37DB5D899BF}" type="datetimeFigureOut">
               <a:rPr lang="pt-PT" smtClean="0"/>
               <a:pPr/>
-              <a:t>31/10/2020</a:t>
+              <a:t>03/11/2020</a:t>
             </a:fld>
             <a:endParaRPr lang="pt-PT"/>
           </a:p>
@@ -9394,7 +9394,7 @@
             <a:fld id="{B5EBF8D4-C87A-47B7-9996-84452461937B}" type="slidenum">
               <a:rPr lang="pt-PT" smtClean="0"/>
               <a:pPr/>
-              <a:t>‹nº›</a:t>
+              <a:t>‹#›</a:t>
             </a:fld>
             <a:endParaRPr lang="pt-PT"/>
           </a:p>
@@ -11705,7 +11705,41 @@
                 <a:ea typeface="Calibri" panose="020F0502020204030204" pitchFamily="34" charset="0"/>
                 <a:cs typeface="Times New Roman" panose="02020603050405020304" pitchFamily="18" charset="0"/>
               </a:rPr>
-              <a:t> a camera MP;</a:t>
+              <a:t> a </a:t>
+            </a:r>
+            <a:r>
+              <a:rPr kumimoji="0" lang="en-US" sz="4000" b="0" i="0" u="none" strike="noStrike" kern="1200" cap="none" spc="0" normalizeH="0" baseline="0" noProof="0" dirty="0" err="1">
+                <a:ln>
+                  <a:noFill/>
+                </a:ln>
+                <a:solidFill>
+                  <a:srgbClr val="336699"/>
+                </a:solidFill>
+                <a:effectLst/>
+                <a:uLnTx/>
+                <a:uFillTx/>
+                <a:latin typeface="Calibri" panose="020F0502020204030204" pitchFamily="34" charset="0"/>
+                <a:ea typeface="Calibri" panose="020F0502020204030204" pitchFamily="34" charset="0"/>
+                <a:cs typeface="Times New Roman" panose="02020603050405020304" pitchFamily="18" charset="0"/>
+              </a:rPr>
+              <a:t>câmera</a:t>
+            </a:r>
+            <a:r>
+              <a:rPr kumimoji="0" lang="en-US" sz="4000" b="0" i="0" u="none" strike="noStrike" kern="1200" cap="none" spc="0" normalizeH="0" baseline="0" noProof="0" dirty="0">
+                <a:ln>
+                  <a:noFill/>
+                </a:ln>
+                <a:solidFill>
+                  <a:srgbClr val="336699"/>
+                </a:solidFill>
+                <a:effectLst/>
+                <a:uLnTx/>
+                <a:uFillTx/>
+                <a:latin typeface="Calibri" panose="020F0502020204030204" pitchFamily="34" charset="0"/>
+                <a:ea typeface="Calibri" panose="020F0502020204030204" pitchFamily="34" charset="0"/>
+                <a:cs typeface="Times New Roman" panose="02020603050405020304" pitchFamily="18" charset="0"/>
+              </a:rPr>
+              <a:t> MP;</a:t>
             </a:r>
             <a:endParaRPr kumimoji="0" lang="pt-PT" sz="4000" b="0" i="0" u="none" strike="noStrike" kern="1200" cap="none" spc="0" normalizeH="0" baseline="0" noProof="0" dirty="0">
               <a:ln>
@@ -11873,7 +11907,7 @@
                 <a:ea typeface="Calibri" panose="020F0502020204030204" pitchFamily="34" charset="0"/>
                 <a:cs typeface="Times New Roman" panose="02020603050405020304" pitchFamily="18" charset="0"/>
               </a:rPr>
-              <a:t>number of the teeth of the cogwheel </a:t>
+              <a:t>number of teeth of the cogwheel </a:t>
             </a:r>
             <a:r>
               <a:rPr kumimoji="0" lang="en-US" sz="4000" b="0" i="0" u="none" strike="noStrike" kern="1200" cap="none" spc="0" normalizeH="0" baseline="0" noProof="0" dirty="0" err="1">
@@ -14932,7 +14966,7 @@
                 <a:ea typeface="Calibri" panose="020F0502020204030204" pitchFamily="34" charset="0"/>
                 <a:cs typeface="Times New Roman" panose="02020603050405020304" pitchFamily="18" charset="0"/>
               </a:rPr>
-              <a:t>representa a media de 7 atributos para cada marca</a:t>
+              <a:t>representa a média de 7 atributos para cada marca</a:t>
             </a:r>
             <a:r>
               <a:rPr lang="pt-PT" sz="4000" b="0" dirty="0">
@@ -14967,7 +15001,7 @@
                 <a:ea typeface="Calibri" panose="020F0502020204030204" pitchFamily="34" charset="0"/>
                 <a:cs typeface="Times New Roman" panose="02020603050405020304" pitchFamily="18" charset="0"/>
               </a:rPr>
-              <a:t>A ordem dos eixos pode ser modificada pelo utilizador. Cada linha está associada a uma marca, linhas coloridas estão associadas </a:t>
+              <a:t>A ordem dos eixos pode ser modificada pelo utilizador. Cada linha está associada a uma marca e linhas coloridas estão associadas </a:t>
             </a:r>
             <a:r>
               <a:rPr lang="pt-PT" sz="4000" b="0" dirty="0">
@@ -15210,7 +15244,7 @@
                 <a:ea typeface="Calibri" panose="020F0502020204030204" pitchFamily="34" charset="0"/>
                 <a:cs typeface="Times New Roman" panose="02020603050405020304" pitchFamily="18" charset="0"/>
               </a:rPr>
-              <a:t> lista com cada sensor no </a:t>
+              <a:t> </a:t>
             </a:r>
             <a:r>
               <a:rPr kumimoji="0" lang="pt-PT" sz="4000" b="0" i="0" u="none" strike="noStrike" kern="1200" cap="none" spc="0" normalizeH="0" baseline="0" dirty="0" err="1">
@@ -15227,7 +15261,7 @@
                 <a:ea typeface="Calibri" panose="020F0502020204030204" pitchFamily="34" charset="0"/>
                 <a:cs typeface="Times New Roman" panose="02020603050405020304" pitchFamily="18" charset="0"/>
               </a:rPr>
-              <a:t>dataset</a:t>
+              <a:t>list</a:t>
             </a:r>
             <a:r>
               <a:rPr kumimoji="0" lang="pt-PT" sz="4000" b="0" i="0" u="none" strike="noStrike" kern="1200" cap="none" spc="0" normalizeH="0" baseline="0" dirty="0">
@@ -15244,7 +15278,41 @@
                 <a:ea typeface="Calibri" panose="020F0502020204030204" pitchFamily="34" charset="0"/>
                 <a:cs typeface="Times New Roman" panose="02020603050405020304" pitchFamily="18" charset="0"/>
               </a:rPr>
-              <a:t> e ao escolher um, </a:t>
+              <a:t> com cada sensor no </a:t>
+            </a:r>
+            <a:r>
+              <a:rPr kumimoji="0" lang="pt-PT" sz="4000" b="0" i="0" u="none" strike="noStrike" kern="1200" cap="none" spc="0" normalizeH="0" baseline="0" dirty="0" err="1">
+                <a:ln>
+                  <a:noFill/>
+                </a:ln>
+                <a:solidFill>
+                  <a:srgbClr val="336699"/>
+                </a:solidFill>
+                <a:effectLst/>
+                <a:uLnTx/>
+                <a:uFillTx/>
+                <a:latin typeface="Calibri" panose="020F0502020204030204" pitchFamily="34" charset="0"/>
+                <a:ea typeface="Calibri" panose="020F0502020204030204" pitchFamily="34" charset="0"/>
+                <a:cs typeface="Times New Roman" panose="02020603050405020304" pitchFamily="18" charset="0"/>
+              </a:rPr>
+              <a:t>dataset</a:t>
+            </a:r>
+            <a:r>
+              <a:rPr kumimoji="0" lang="pt-PT" sz="4000" b="0" i="0" u="none" strike="noStrike" kern="1200" cap="none" spc="0" normalizeH="0" baseline="0" dirty="0">
+                <a:ln>
+                  <a:noFill/>
+                </a:ln>
+                <a:solidFill>
+                  <a:srgbClr val="336699"/>
+                </a:solidFill>
+                <a:effectLst/>
+                <a:uLnTx/>
+                <a:uFillTx/>
+                <a:latin typeface="Calibri" panose="020F0502020204030204" pitchFamily="34" charset="0"/>
+                <a:ea typeface="Calibri" panose="020F0502020204030204" pitchFamily="34" charset="0"/>
+                <a:cs typeface="Times New Roman" panose="02020603050405020304" pitchFamily="18" charset="0"/>
+              </a:rPr>
+              <a:t> e, ao escolher um, </a:t>
             </a:r>
             <a:r>
               <a:rPr kumimoji="0" lang="en-US" sz="4000" b="0" i="0" u="none" strike="noStrike" kern="1200" cap="none" spc="0" normalizeH="0" baseline="0" noProof="0" dirty="0">
@@ -15549,7 +15617,7 @@
                 <a:ea typeface="Calibri" panose="020F0502020204030204" pitchFamily="34" charset="0"/>
                 <a:cs typeface="Times New Roman" panose="02020603050405020304" pitchFamily="18" charset="0"/>
               </a:rPr>
-              <a:t> representa a receita (pela marca de uma linha simples) e o número de modelos desenvolvidos pela marca ( </a:t>
+              <a:t> representa a receita (pela marca de uma linha simples) e o número de modelos desenvolvidos ( </a:t>
             </a:r>
             <a:r>
               <a:rPr lang="pt-PT" sz="4000" b="0" dirty="0">
